--- a/Dokumen/ppt_kp_fix.pptx
+++ b/Dokumen/ppt_kp_fix.pptx
@@ -14,7 +14,8 @@
     <p:sldId id="258" r:id="rId8"/>
     <p:sldId id="266" r:id="rId9"/>
     <p:sldId id="265" r:id="rId10"/>
-    <p:sldId id="264" r:id="rId11"/>
+    <p:sldId id="267" r:id="rId11"/>
+    <p:sldId id="264" r:id="rId12"/>
   </p:sldIdLst>
   <p:sldSz cx="12192000" cy="6858000"/>
   <p:notesSz cx="6858000" cy="9144000"/>
@@ -4056,6 +4057,332 @@
                   <a:schemeClr val="bg1"/>
                 </a:solidFill>
               </a:rPr>
+              <a:t>LIVE DEMO</a:t>
+            </a:r>
+          </a:p>
+        </p:txBody>
+      </p:sp>
+      <p:sp>
+        <p:nvSpPr>
+          <p:cNvPr id="4" name="Rectangle 3">
+            <a:extLst>
+              <a:ext uri="{FF2B5EF4-FFF2-40B4-BE49-F238E27FC236}">
+                <a16:creationId xmlns:a16="http://schemas.microsoft.com/office/drawing/2014/main" id="{C1695A13-998B-4E9F-80FE-3D65657B371F}"/>
+              </a:ext>
+            </a:extLst>
+          </p:cNvPr>
+          <p:cNvSpPr/>
+          <p:nvPr/>
+        </p:nvSpPr>
+        <p:spPr>
+          <a:xfrm>
+            <a:off x="3453319" y="2636873"/>
+            <a:ext cx="126460" cy="1325563"/>
+          </a:xfrm>
+          <a:prstGeom prst="rect">
+            <a:avLst/>
+          </a:prstGeom>
+          <a:solidFill>
+            <a:srgbClr val="10609D"/>
+          </a:solidFill>
+          <a:ln>
+            <a:noFill/>
+          </a:ln>
+        </p:spPr>
+        <p:style>
+          <a:lnRef idx="2">
+            <a:schemeClr val="accent1">
+              <a:shade val="50000"/>
+            </a:schemeClr>
+          </a:lnRef>
+          <a:fillRef idx="1">
+            <a:schemeClr val="accent1"/>
+          </a:fillRef>
+          <a:effectRef idx="0">
+            <a:schemeClr val="accent1"/>
+          </a:effectRef>
+          <a:fontRef idx="minor">
+            <a:schemeClr val="lt1"/>
+          </a:fontRef>
+        </p:style>
+        <p:txBody>
+          <a:bodyPr rtlCol="0" anchor="ctr"/>
+          <a:lstStyle/>
+          <a:p>
+            <a:pPr algn="ctr"/>
+            <a:endParaRPr lang="en-US"/>
+          </a:p>
+        </p:txBody>
+      </p:sp>
+      <p:sp>
+        <p:nvSpPr>
+          <p:cNvPr id="5" name="Rectangle 4">
+            <a:extLst>
+              <a:ext uri="{FF2B5EF4-FFF2-40B4-BE49-F238E27FC236}">
+                <a16:creationId xmlns:a16="http://schemas.microsoft.com/office/drawing/2014/main" id="{9FC38E11-5990-4DBB-B7B2-FEB4DD7F0819}"/>
+              </a:ext>
+            </a:extLst>
+          </p:cNvPr>
+          <p:cNvSpPr/>
+          <p:nvPr/>
+        </p:nvSpPr>
+        <p:spPr>
+          <a:xfrm>
+            <a:off x="3453318" y="3847628"/>
+            <a:ext cx="5282119" cy="114808"/>
+          </a:xfrm>
+          <a:prstGeom prst="rect">
+            <a:avLst/>
+          </a:prstGeom>
+          <a:solidFill>
+            <a:srgbClr val="EEEEEE"/>
+          </a:solidFill>
+          <a:ln>
+            <a:noFill/>
+          </a:ln>
+        </p:spPr>
+        <p:style>
+          <a:lnRef idx="2">
+            <a:schemeClr val="accent1">
+              <a:shade val="50000"/>
+            </a:schemeClr>
+          </a:lnRef>
+          <a:fillRef idx="1">
+            <a:schemeClr val="accent1"/>
+          </a:fillRef>
+          <a:effectRef idx="0">
+            <a:schemeClr val="accent1"/>
+          </a:effectRef>
+          <a:fontRef idx="minor">
+            <a:schemeClr val="lt1"/>
+          </a:fontRef>
+        </p:style>
+        <p:txBody>
+          <a:bodyPr rtlCol="0" anchor="ctr"/>
+          <a:lstStyle/>
+          <a:p>
+            <a:pPr algn="ctr"/>
+            <a:endParaRPr lang="en-US"/>
+          </a:p>
+        </p:txBody>
+      </p:sp>
+      <p:sp>
+        <p:nvSpPr>
+          <p:cNvPr id="6" name="Rectangle 5">
+            <a:extLst>
+              <a:ext uri="{FF2B5EF4-FFF2-40B4-BE49-F238E27FC236}">
+                <a16:creationId xmlns:a16="http://schemas.microsoft.com/office/drawing/2014/main" id="{8B7F707F-C084-4A4B-8937-6DF6A205E576}"/>
+              </a:ext>
+            </a:extLst>
+          </p:cNvPr>
+          <p:cNvSpPr/>
+          <p:nvPr/>
+        </p:nvSpPr>
+        <p:spPr>
+          <a:xfrm>
+            <a:off x="8618705" y="2636873"/>
+            <a:ext cx="116731" cy="1325563"/>
+          </a:xfrm>
+          <a:prstGeom prst="rect">
+            <a:avLst/>
+          </a:prstGeom>
+          <a:solidFill>
+            <a:srgbClr val="EEEEEE"/>
+          </a:solidFill>
+          <a:ln>
+            <a:noFill/>
+          </a:ln>
+        </p:spPr>
+        <p:style>
+          <a:lnRef idx="2">
+            <a:schemeClr val="accent1">
+              <a:shade val="50000"/>
+            </a:schemeClr>
+          </a:lnRef>
+          <a:fillRef idx="1">
+            <a:schemeClr val="accent1"/>
+          </a:fillRef>
+          <a:effectRef idx="0">
+            <a:schemeClr val="accent1"/>
+          </a:effectRef>
+          <a:fontRef idx="minor">
+            <a:schemeClr val="lt1"/>
+          </a:fontRef>
+        </p:style>
+        <p:txBody>
+          <a:bodyPr rtlCol="0" anchor="ctr"/>
+          <a:lstStyle/>
+          <a:p>
+            <a:pPr algn="ctr"/>
+            <a:endParaRPr lang="en-US"/>
+          </a:p>
+        </p:txBody>
+      </p:sp>
+      <p:sp>
+        <p:nvSpPr>
+          <p:cNvPr id="7" name="Rectangle 6">
+            <a:extLst>
+              <a:ext uri="{FF2B5EF4-FFF2-40B4-BE49-F238E27FC236}">
+                <a16:creationId xmlns:a16="http://schemas.microsoft.com/office/drawing/2014/main" id="{7AA15B6D-4F03-4EF0-9445-FED587096D0C}"/>
+              </a:ext>
+            </a:extLst>
+          </p:cNvPr>
+          <p:cNvSpPr/>
+          <p:nvPr/>
+        </p:nvSpPr>
+        <p:spPr>
+          <a:xfrm>
+            <a:off x="3453318" y="2636873"/>
+            <a:ext cx="5282118" cy="111530"/>
+          </a:xfrm>
+          <a:prstGeom prst="rect">
+            <a:avLst/>
+          </a:prstGeom>
+          <a:solidFill>
+            <a:srgbClr val="10609D"/>
+          </a:solidFill>
+          <a:ln>
+            <a:noFill/>
+          </a:ln>
+        </p:spPr>
+        <p:style>
+          <a:lnRef idx="2">
+            <a:schemeClr val="accent1">
+              <a:shade val="50000"/>
+            </a:schemeClr>
+          </a:lnRef>
+          <a:fillRef idx="1">
+            <a:schemeClr val="accent1"/>
+          </a:fillRef>
+          <a:effectRef idx="0">
+            <a:schemeClr val="accent1"/>
+          </a:effectRef>
+          <a:fontRef idx="minor">
+            <a:schemeClr val="lt1"/>
+          </a:fontRef>
+        </p:style>
+        <p:txBody>
+          <a:bodyPr rtlCol="0" anchor="ctr"/>
+          <a:lstStyle/>
+          <a:p>
+            <a:pPr algn="ctr"/>
+            <a:endParaRPr lang="en-US"/>
+          </a:p>
+        </p:txBody>
+      </p:sp>
+      <p:pic>
+        <p:nvPicPr>
+          <p:cNvPr id="8" name="Graphic 7" descr="Play">
+            <a:hlinkClick r:id="rId2"/>
+            <a:extLst>
+              <a:ext uri="{FF2B5EF4-FFF2-40B4-BE49-F238E27FC236}">
+                <a16:creationId xmlns:a16="http://schemas.microsoft.com/office/drawing/2014/main" id="{E0658E3B-0655-4A55-929B-7055F82F054B}"/>
+              </a:ext>
+            </a:extLst>
+          </p:cNvPr>
+          <p:cNvPicPr>
+            <a:picLocks noChangeAspect="1"/>
+          </p:cNvPicPr>
+          <p:nvPr/>
+        </p:nvPicPr>
+        <p:blipFill>
+          <a:blip r:embed="rId3">
+            <a:extLst>
+              <a:ext uri="{28A0092B-C50C-407E-A947-70E740481C1C}">
+                <a14:useLocalDpi xmlns:a14="http://schemas.microsoft.com/office/drawing/2010/main" val="0"/>
+              </a:ext>
+              <a:ext uri="{96DAC541-7B7A-43D3-8B79-37D633B846F1}">
+                <asvg:svgBlip xmlns:asvg="http://schemas.microsoft.com/office/drawing/2016/SVG/main" r:embed="rId4"/>
+              </a:ext>
+            </a:extLst>
+          </a:blip>
+          <a:stretch>
+            <a:fillRect/>
+          </a:stretch>
+        </p:blipFill>
+        <p:spPr>
+          <a:xfrm>
+            <a:off x="5637177" y="5027262"/>
+            <a:ext cx="914400" cy="914400"/>
+          </a:xfrm>
+          <a:prstGeom prst="rect">
+            <a:avLst/>
+          </a:prstGeom>
+        </p:spPr>
+      </p:pic>
+    </p:spTree>
+    <p:extLst>
+      <p:ext uri="{BB962C8B-B14F-4D97-AF65-F5344CB8AC3E}">
+        <p14:creationId xmlns:p14="http://schemas.microsoft.com/office/powerpoint/2010/main" val="1306897429"/>
+      </p:ext>
+    </p:extLst>
+  </p:cSld>
+  <p:clrMapOvr>
+    <a:masterClrMapping/>
+  </p:clrMapOvr>
+</p:sld>
+</file>
+
+<file path=ppt/slides/slide11.xml><?xml version="1.0" encoding="utf-8"?>
+<p:sld xmlns:a="http://schemas.openxmlformats.org/drawingml/2006/main" xmlns:r="http://schemas.openxmlformats.org/officeDocument/2006/relationships" xmlns:p="http://schemas.openxmlformats.org/presentationml/2006/main">
+  <p:cSld>
+    <p:bg>
+      <p:bgPr>
+        <a:solidFill>
+          <a:srgbClr val="1A1D52"/>
+        </a:solidFill>
+        <a:effectLst/>
+      </p:bgPr>
+    </p:bg>
+    <p:spTree>
+      <p:nvGrpSpPr>
+        <p:cNvPr id="1" name=""/>
+        <p:cNvGrpSpPr/>
+        <p:nvPr/>
+      </p:nvGrpSpPr>
+      <p:grpSpPr>
+        <a:xfrm>
+          <a:off x="0" y="0"/>
+          <a:ext cx="0" cy="0"/>
+          <a:chOff x="0" y="0"/>
+          <a:chExt cx="0" cy="0"/>
+        </a:xfrm>
+      </p:grpSpPr>
+      <p:sp>
+        <p:nvSpPr>
+          <p:cNvPr id="2" name="Title 1">
+            <a:extLst>
+              <a:ext uri="{FF2B5EF4-FFF2-40B4-BE49-F238E27FC236}">
+                <a16:creationId xmlns:a16="http://schemas.microsoft.com/office/drawing/2014/main" id="{CE8D59CD-8D1F-4197-B44C-F7D5BC516E50}"/>
+              </a:ext>
+            </a:extLst>
+          </p:cNvPr>
+          <p:cNvSpPr>
+            <a:spLocks noGrp="1"/>
+          </p:cNvSpPr>
+          <p:nvPr>
+            <p:ph type="title"/>
+          </p:nvPr>
+        </p:nvSpPr>
+        <p:spPr>
+          <a:xfrm>
+            <a:off x="0" y="2641398"/>
+            <a:ext cx="12191999" cy="1325563"/>
+          </a:xfrm>
+        </p:spPr>
+        <p:txBody>
+          <a:bodyPr>
+            <a:noAutofit/>
+          </a:bodyPr>
+          <a:lstStyle/>
+          <a:p>
+            <a:pPr algn="ctr"/>
+            <a:r>
+              <a:rPr lang="en-US" sz="6000" dirty="0">
+                <a:solidFill>
+                  <a:schemeClr val="bg1"/>
+                </a:solidFill>
+              </a:rPr>
               <a:t>TERIMAKASIH</a:t>
             </a:r>
           </a:p>
